--- a/cocina.pptx
+++ b/cocina.pptx
@@ -108,6 +108,11 @@
       </a:defRPr>
     </a:lvl9pPr>
   </p:defaultTextStyle>
+  <p:extLst>
+    <p:ext uri="{EFAFB233-063F-42B5-8137-9DF3F51BA10A}">
+      <p15:sldGuideLst xmlns:p15="http://schemas.microsoft.com/office/powerpoint/2012/main"/>
+    </p:ext>
+  </p:extLst>
 </p:presentation>
 </file>
 
@@ -260,7 +265,7 @@
           <a:p>
             <a:fld id="{C43A76A3-ADC8-4477-8FC1-B9DD55D84908}" type="datetime1">
               <a:rPr lang="en-US" smtClean="0"/>
-              <a:t>9/25/2024</a:t>
+              <a:t>9/26/2024</a:t>
             </a:fld>
             <a:endParaRPr lang="en-US" dirty="0"/>
           </a:p>
@@ -458,7 +463,7 @@
           <a:p>
             <a:fld id="{D6762538-DC4D-4667-96E5-B3278DDF8B12}" type="datetime1">
               <a:rPr lang="en-US" smtClean="0"/>
-              <a:t>9/25/2024</a:t>
+              <a:t>9/26/2024</a:t>
             </a:fld>
             <a:endParaRPr lang="en-US"/>
           </a:p>
@@ -666,7 +671,7 @@
           <a:p>
             <a:fld id="{05880548-5C08-4BE3-B63E-F2BB63B0B00C}" type="datetime1">
               <a:rPr lang="en-US" smtClean="0"/>
-              <a:t>9/25/2024</a:t>
+              <a:t>9/26/2024</a:t>
             </a:fld>
             <a:endParaRPr lang="en-US"/>
           </a:p>
@@ -864,7 +869,7 @@
           <a:p>
             <a:fld id="{DE7F49BE-398D-479A-8A7E-5DDBCA61EDCB}" type="datetime1">
               <a:rPr lang="en-US" smtClean="0"/>
-              <a:t>9/25/2024</a:t>
+              <a:t>9/26/2024</a:t>
             </a:fld>
             <a:endParaRPr lang="en-US"/>
           </a:p>
@@ -1140,7 +1145,7 @@
           <a:p>
             <a:fld id="{CCD0C193-4974-4A1F-9C63-07D595E30D66}" type="datetime1">
               <a:rPr lang="en-US" smtClean="0"/>
-              <a:t>9/25/2024</a:t>
+              <a:t>9/26/2024</a:t>
             </a:fld>
             <a:endParaRPr lang="en-US"/>
           </a:p>
@@ -1407,7 +1412,7 @@
           <a:p>
             <a:fld id="{701AA87F-28D4-4BF0-B81F-877A89DFD5AC}" type="datetime1">
               <a:rPr lang="en-US" smtClean="0"/>
-              <a:t>9/25/2024</a:t>
+              <a:t>9/26/2024</a:t>
             </a:fld>
             <a:endParaRPr lang="en-US"/>
           </a:p>
@@ -1821,7 +1826,7 @@
           <a:p>
             <a:fld id="{A8A9F1F3-208B-49A3-B337-9C8ACEB3E0E1}" type="datetime1">
               <a:rPr lang="en-US" smtClean="0"/>
-              <a:t>9/25/2024</a:t>
+              <a:t>9/26/2024</a:t>
             </a:fld>
             <a:endParaRPr lang="en-US"/>
           </a:p>
@@ -1968,7 +1973,7 @@
           <a:p>
             <a:fld id="{27AF6CA6-7293-4AA2-A0E0-A3BF4416E786}" type="datetime1">
               <a:rPr lang="en-US" smtClean="0"/>
-              <a:t>9/25/2024</a:t>
+              <a:t>9/26/2024</a:t>
             </a:fld>
             <a:endParaRPr lang="en-US"/>
           </a:p>
@@ -2081,7 +2086,7 @@
           <a:p>
             <a:fld id="{98D87016-7BCD-46FB-8EE3-AB6C369108B4}" type="datetime1">
               <a:rPr lang="en-US" smtClean="0"/>
-              <a:t>9/25/2024</a:t>
+              <a:t>9/26/2024</a:t>
             </a:fld>
             <a:endParaRPr lang="en-US"/>
           </a:p>
@@ -2400,7 +2405,7 @@
           <a:p>
             <a:fld id="{A1547011-1FFC-4EF8-9A2E-53B4AD2ADBD4}" type="datetime1">
               <a:rPr lang="en-US" smtClean="0"/>
-              <a:t>9/25/2024</a:t>
+              <a:t>9/26/2024</a:t>
             </a:fld>
             <a:endParaRPr lang="en-US"/>
           </a:p>
@@ -2695,7 +2700,7 @@
           <a:p>
             <a:fld id="{9562EB47-45B4-4EF5-A743-B4885DD2F060}" type="datetime1">
               <a:rPr lang="en-US" smtClean="0"/>
-              <a:t>9/25/2024</a:t>
+              <a:t>9/26/2024</a:t>
             </a:fld>
             <a:endParaRPr lang="en-US"/>
           </a:p>
@@ -4080,7 +4085,7 @@
           <a:p>
             <a:fld id="{4A8D24A4-5FEC-4062-8995-EB21925B3B40}" type="datetime1">
               <a:rPr lang="en-US" smtClean="0"/>
-              <a:t>9/25/2024</a:t>
+              <a:t>9/26/2024</a:t>
             </a:fld>
             <a:endParaRPr lang="en-US" sz="1000" dirty="0"/>
           </a:p>
@@ -7842,6 +7847,78 @@
           </a:prstGeom>
         </p:spPr>
       </p:pic>
+      <p:sp>
+        <p:nvSpPr>
+          <p:cNvPr id="3" name="CuadroTexto 2">
+            <a:extLst>
+              <a:ext uri="{FF2B5EF4-FFF2-40B4-BE49-F238E27FC236}">
+                <a16:creationId xmlns:a16="http://schemas.microsoft.com/office/drawing/2014/main" id="{EBE4D6FC-F47B-166E-0907-CA82E30520CD}"/>
+              </a:ext>
+            </a:extLst>
+          </p:cNvPr>
+          <p:cNvSpPr txBox="1"/>
+          <p:nvPr/>
+        </p:nvSpPr>
+        <p:spPr>
+          <a:xfrm>
+            <a:off x="2593570" y="6123543"/>
+            <a:ext cx="2327564" cy="369332"/>
+          </a:xfrm>
+          <a:prstGeom prst="rect">
+            <a:avLst/>
+          </a:prstGeom>
+          <a:noFill/>
+        </p:spPr>
+        <p:txBody>
+          <a:bodyPr wrap="square" rtlCol="0">
+            <a:spAutoFit/>
+          </a:bodyPr>
+          <a:lstStyle/>
+          <a:p>
+            <a:r>
+              <a:rPr lang="es-CL" dirty="0" err="1"/>
+              <a:t>Backend</a:t>
+            </a:r>
+            <a:endParaRPr lang="es-CL" dirty="0"/>
+          </a:p>
+        </p:txBody>
+      </p:sp>
+      <p:sp>
+        <p:nvSpPr>
+          <p:cNvPr id="4" name="CuadroTexto 3">
+            <a:extLst>
+              <a:ext uri="{FF2B5EF4-FFF2-40B4-BE49-F238E27FC236}">
+                <a16:creationId xmlns:a16="http://schemas.microsoft.com/office/drawing/2014/main" id="{093E8D30-AD7E-FE4F-2755-6EFDE6AEDA39}"/>
+              </a:ext>
+            </a:extLst>
+          </p:cNvPr>
+          <p:cNvSpPr txBox="1"/>
+          <p:nvPr/>
+        </p:nvSpPr>
+        <p:spPr>
+          <a:xfrm>
+            <a:off x="8282246" y="6123543"/>
+            <a:ext cx="2327564" cy="369332"/>
+          </a:xfrm>
+          <a:prstGeom prst="rect">
+            <a:avLst/>
+          </a:prstGeom>
+          <a:noFill/>
+        </p:spPr>
+        <p:txBody>
+          <a:bodyPr wrap="square" rtlCol="0">
+            <a:spAutoFit/>
+          </a:bodyPr>
+          <a:lstStyle/>
+          <a:p>
+            <a:r>
+              <a:rPr lang="es-CL" dirty="0" err="1"/>
+              <a:t>Frontend</a:t>
+            </a:r>
+            <a:endParaRPr lang="es-CL" dirty="0"/>
+          </a:p>
+        </p:txBody>
+      </p:sp>
     </p:spTree>
     <p:extLst>
       <p:ext uri="{BB962C8B-B14F-4D97-AF65-F5344CB8AC3E}">
@@ -9485,8 +9562,8 @@
         </p:nvSpPr>
         <p:spPr>
           <a:xfrm>
-            <a:off x="6363885" y="3602038"/>
-            <a:ext cx="5047488" cy="1655762"/>
+            <a:off x="5519757" y="3454181"/>
+            <a:ext cx="6580205" cy="1655762"/>
           </a:xfrm>
         </p:spPr>
         <p:txBody>
@@ -9499,8 +9576,16 @@
               <a:buNone/>
             </a:pPr>
             <a:r>
-              <a:rPr lang="en-US" sz="2400"/>
-              <a:t>Framework Laravel + MVC + Bootstrap</a:t>
+              <a:rPr lang="en-US" sz="2400" dirty="0"/>
+              <a:t>Framework Laravel + </a:t>
+            </a:r>
+            <a:r>
+              <a:rPr lang="en-US" sz="2400" dirty="0" err="1"/>
+              <a:t>Arquitectura</a:t>
+            </a:r>
+            <a:r>
+              <a:rPr lang="en-US" sz="2400" dirty="0"/>
+              <a:t> MVC + Bootstrap</a:t>
             </a:r>
           </a:p>
         </p:txBody>

--- a/cocina.pptx
+++ b/cocina.pptx
@@ -9,7 +9,9 @@
     <p:sldId id="257" r:id="rId3"/>
     <p:sldId id="260" r:id="rId4"/>
     <p:sldId id="258" r:id="rId5"/>
-    <p:sldId id="259" r:id="rId6"/>
+    <p:sldId id="261" r:id="rId6"/>
+    <p:sldId id="262" r:id="rId7"/>
+    <p:sldId id="259" r:id="rId8"/>
   </p:sldIdLst>
   <p:sldSz cx="12192000" cy="6858000"/>
   <p:notesSz cx="6858000" cy="9144000"/>
@@ -10423,6 +10425,130 @@
 <file path=ppt/slides/slide5.xml><?xml version="1.0" encoding="utf-8"?>
 <p:sld xmlns:a="http://schemas.openxmlformats.org/drawingml/2006/main" xmlns:r="http://schemas.openxmlformats.org/officeDocument/2006/relationships" xmlns:p="http://schemas.openxmlformats.org/presentationml/2006/main">
   <p:cSld>
+    <p:spTree>
+      <p:nvGrpSpPr>
+        <p:cNvPr id="1" name=""/>
+        <p:cNvGrpSpPr/>
+        <p:nvPr/>
+      </p:nvGrpSpPr>
+      <p:grpSpPr>
+        <a:xfrm>
+          <a:off x="0" y="0"/>
+          <a:ext cx="0" cy="0"/>
+          <a:chOff x="0" y="0"/>
+          <a:chExt cx="0" cy="0"/>
+        </a:xfrm>
+      </p:grpSpPr>
+      <p:pic>
+        <p:nvPicPr>
+          <p:cNvPr id="4" name="image6.png">
+            <a:extLst>
+              <a:ext uri="{FF2B5EF4-FFF2-40B4-BE49-F238E27FC236}">
+                <a16:creationId xmlns:a16="http://schemas.microsoft.com/office/drawing/2014/main" id="{90E6BC6F-6F56-5460-6D88-B6CD89C4F810}"/>
+              </a:ext>
+            </a:extLst>
+          </p:cNvPr>
+          <p:cNvPicPr>
+            <a:picLocks noGrp="1"/>
+          </p:cNvPicPr>
+          <p:nvPr>
+            <p:ph idx="1"/>
+          </p:nvPr>
+        </p:nvPicPr>
+        <p:blipFill>
+          <a:blip r:embed="rId2"/>
+          <a:srcRect/>
+          <a:stretch>
+            <a:fillRect/>
+          </a:stretch>
+        </p:blipFill>
+        <p:spPr>
+          <a:xfrm>
+            <a:off x="2471650" y="257059"/>
+            <a:ext cx="6605847" cy="6077239"/>
+          </a:xfrm>
+          <a:prstGeom prst="rect">
+            <a:avLst/>
+          </a:prstGeom>
+          <a:ln/>
+        </p:spPr>
+      </p:pic>
+    </p:spTree>
+    <p:extLst>
+      <p:ext uri="{BB962C8B-B14F-4D97-AF65-F5344CB8AC3E}">
+        <p14:creationId xmlns:p14="http://schemas.microsoft.com/office/powerpoint/2010/main" val="3777929953"/>
+      </p:ext>
+    </p:extLst>
+  </p:cSld>
+  <p:clrMapOvr>
+    <a:masterClrMapping/>
+  </p:clrMapOvr>
+</p:sld>
+</file>
+
+<file path=ppt/slides/slide6.xml><?xml version="1.0" encoding="utf-8"?>
+<p:sld xmlns:a="http://schemas.openxmlformats.org/drawingml/2006/main" xmlns:r="http://schemas.openxmlformats.org/officeDocument/2006/relationships" xmlns:p="http://schemas.openxmlformats.org/presentationml/2006/main">
+  <p:cSld>
+    <p:spTree>
+      <p:nvGrpSpPr>
+        <p:cNvPr id="1" name=""/>
+        <p:cNvGrpSpPr/>
+        <p:nvPr/>
+      </p:nvGrpSpPr>
+      <p:grpSpPr>
+        <a:xfrm>
+          <a:off x="0" y="0"/>
+          <a:ext cx="0" cy="0"/>
+          <a:chOff x="0" y="0"/>
+          <a:chExt cx="0" cy="0"/>
+        </a:xfrm>
+      </p:grpSpPr>
+      <p:pic>
+        <p:nvPicPr>
+          <p:cNvPr id="4" name="image5.png">
+            <a:extLst>
+              <a:ext uri="{FF2B5EF4-FFF2-40B4-BE49-F238E27FC236}">
+                <a16:creationId xmlns:a16="http://schemas.microsoft.com/office/drawing/2014/main" id="{23106250-F5D5-288C-66B6-ED870DCF806C}"/>
+              </a:ext>
+            </a:extLst>
+          </p:cNvPr>
+          <p:cNvPicPr/>
+          <p:nvPr/>
+        </p:nvPicPr>
+        <p:blipFill>
+          <a:blip r:embed="rId2"/>
+          <a:srcRect/>
+          <a:stretch>
+            <a:fillRect/>
+          </a:stretch>
+        </p:blipFill>
+        <p:spPr>
+          <a:xfrm>
+            <a:off x="798022" y="282633"/>
+            <a:ext cx="9892145" cy="6217920"/>
+          </a:xfrm>
+          <a:prstGeom prst="rect">
+            <a:avLst/>
+          </a:prstGeom>
+          <a:ln/>
+        </p:spPr>
+      </p:pic>
+    </p:spTree>
+    <p:extLst>
+      <p:ext uri="{BB962C8B-B14F-4D97-AF65-F5344CB8AC3E}">
+        <p14:creationId xmlns:p14="http://schemas.microsoft.com/office/powerpoint/2010/main" val="24708483"/>
+      </p:ext>
+    </p:extLst>
+  </p:cSld>
+  <p:clrMapOvr>
+    <a:masterClrMapping/>
+  </p:clrMapOvr>
+</p:sld>
+</file>
+
+<file path=ppt/slides/slide7.xml><?xml version="1.0" encoding="utf-8"?>
+<p:sld xmlns:a="http://schemas.openxmlformats.org/drawingml/2006/main" xmlns:r="http://schemas.openxmlformats.org/officeDocument/2006/relationships" xmlns:p="http://schemas.openxmlformats.org/presentationml/2006/main">
+  <p:cSld>
     <p:bg>
       <p:bgPr>
         <a:solidFill>
